--- a/Week1/JTL312-Lecture1.pptx
+++ b/Week1/JTL312-Lecture1.pptx
@@ -6,13 +6,14 @@
   </p:sldMasterIdLst>
   <p:sldIdLst>
     <p:sldId id="256" r:id="rId2"/>
-    <p:sldId id="257" r:id="rId3"/>
-    <p:sldId id="258" r:id="rId4"/>
-    <p:sldId id="259" r:id="rId5"/>
-    <p:sldId id="260" r:id="rId6"/>
-    <p:sldId id="261" r:id="rId7"/>
-    <p:sldId id="262" r:id="rId8"/>
-    <p:sldId id="263" r:id="rId9"/>
+    <p:sldId id="264" r:id="rId3"/>
+    <p:sldId id="257" r:id="rId4"/>
+    <p:sldId id="258" r:id="rId5"/>
+    <p:sldId id="259" r:id="rId6"/>
+    <p:sldId id="260" r:id="rId7"/>
+    <p:sldId id="261" r:id="rId8"/>
+    <p:sldId id="262" r:id="rId9"/>
+    <p:sldId id="263" r:id="rId10"/>
   </p:sldIdLst>
   <p:sldSz cx="12192000" cy="6858000"/>
   <p:notesSz cx="6858000" cy="9144000"/>
@@ -3445,6 +3446,251 @@
           <p:cNvPr id="2" name="Title 1">
             <a:extLst>
               <a:ext uri="{FF2B5EF4-FFF2-40B4-BE49-F238E27FC236}">
+                <a16:creationId xmlns:a16="http://schemas.microsoft.com/office/drawing/2014/main" id="{2D05EF45-BE5A-E7FC-41DC-4C5EC9CEBD4B}"/>
+              </a:ext>
+            </a:extLst>
+          </p:cNvPr>
+          <p:cNvSpPr>
+            <a:spLocks noGrp="1"/>
+          </p:cNvSpPr>
+          <p:nvPr>
+            <p:ph type="title"/>
+          </p:nvPr>
+        </p:nvSpPr>
+        <p:spPr>
+          <a:xfrm>
+            <a:off x="337686" y="172620"/>
+            <a:ext cx="10515600" cy="1325563"/>
+          </a:xfrm>
+        </p:spPr>
+        <p:txBody>
+          <a:bodyPr/>
+          <a:lstStyle/>
+          <a:p>
+            <a:r>
+              <a:rPr lang="en-IN" dirty="0"/>
+              <a:t>N-gram language model:</a:t>
+            </a:r>
+          </a:p>
+        </p:txBody>
+      </p:sp>
+      <p:pic>
+        <p:nvPicPr>
+          <p:cNvPr id="5" name="Picture 4">
+            <a:extLst>
+              <a:ext uri="{FF2B5EF4-FFF2-40B4-BE49-F238E27FC236}">
+                <a16:creationId xmlns:a16="http://schemas.microsoft.com/office/drawing/2014/main" id="{378DC1CA-A8CD-ADB2-B5B5-800B71C8FA9E}"/>
+              </a:ext>
+            </a:extLst>
+          </p:cNvPr>
+          <p:cNvPicPr>
+            <a:picLocks noChangeAspect="1"/>
+          </p:cNvPicPr>
+          <p:nvPr/>
+        </p:nvPicPr>
+        <p:blipFill>
+          <a:blip r:embed="rId2"/>
+          <a:stretch>
+            <a:fillRect/>
+          </a:stretch>
+        </p:blipFill>
+        <p:spPr>
+          <a:xfrm>
+            <a:off x="337686" y="1301588"/>
+            <a:ext cx="5810549" cy="2406774"/>
+          </a:xfrm>
+          <a:prstGeom prst="rect">
+            <a:avLst/>
+          </a:prstGeom>
+        </p:spPr>
+      </p:pic>
+      <p:pic>
+        <p:nvPicPr>
+          <p:cNvPr id="7" name="Picture 6">
+            <a:extLst>
+              <a:ext uri="{FF2B5EF4-FFF2-40B4-BE49-F238E27FC236}">
+                <a16:creationId xmlns:a16="http://schemas.microsoft.com/office/drawing/2014/main" id="{7E3883B1-E6FA-3044-21A7-C670FCCF57EB}"/>
+              </a:ext>
+            </a:extLst>
+          </p:cNvPr>
+          <p:cNvPicPr>
+            <a:picLocks noChangeAspect="1"/>
+          </p:cNvPicPr>
+          <p:nvPr/>
+        </p:nvPicPr>
+        <p:blipFill>
+          <a:blip r:embed="rId3"/>
+          <a:stretch>
+            <a:fillRect/>
+          </a:stretch>
+        </p:blipFill>
+        <p:spPr>
+          <a:xfrm>
+            <a:off x="6148235" y="2302615"/>
+            <a:ext cx="5785147" cy="3829247"/>
+          </a:xfrm>
+          <a:prstGeom prst="rect">
+            <a:avLst/>
+          </a:prstGeom>
+        </p:spPr>
+      </p:pic>
+      <p:pic>
+        <p:nvPicPr>
+          <p:cNvPr id="9" name="Picture 8">
+            <a:extLst>
+              <a:ext uri="{FF2B5EF4-FFF2-40B4-BE49-F238E27FC236}">
+                <a16:creationId xmlns:a16="http://schemas.microsoft.com/office/drawing/2014/main" id="{52540957-B29B-97CA-4707-73B7EC695CDE}"/>
+              </a:ext>
+            </a:extLst>
+          </p:cNvPr>
+          <p:cNvPicPr>
+            <a:picLocks noChangeAspect="1"/>
+          </p:cNvPicPr>
+          <p:nvPr/>
+        </p:nvPicPr>
+        <p:blipFill>
+          <a:blip r:embed="rId4"/>
+          <a:stretch>
+            <a:fillRect/>
+          </a:stretch>
+        </p:blipFill>
+        <p:spPr>
+          <a:xfrm>
+            <a:off x="337686" y="4647934"/>
+            <a:ext cx="5359198" cy="1666238"/>
+          </a:xfrm>
+          <a:prstGeom prst="rect">
+            <a:avLst/>
+          </a:prstGeom>
+        </p:spPr>
+      </p:pic>
+      <p:sp>
+        <p:nvSpPr>
+          <p:cNvPr id="10" name="Arrow: Right 9">
+            <a:extLst>
+              <a:ext uri="{FF2B5EF4-FFF2-40B4-BE49-F238E27FC236}">
+                <a16:creationId xmlns:a16="http://schemas.microsoft.com/office/drawing/2014/main" id="{F5AD14B7-133A-2511-397B-FD2BF4B0E786}"/>
+              </a:ext>
+            </a:extLst>
+          </p:cNvPr>
+          <p:cNvSpPr/>
+          <p:nvPr/>
+        </p:nvSpPr>
+        <p:spPr>
+          <a:xfrm rot="1948003">
+            <a:off x="6107508" y="1807472"/>
+            <a:ext cx="955209" cy="320992"/>
+          </a:xfrm>
+          <a:prstGeom prst="rightArrow">
+            <a:avLst/>
+          </a:prstGeom>
+        </p:spPr>
+        <p:style>
+          <a:lnRef idx="2">
+            <a:schemeClr val="accent1">
+              <a:shade val="15000"/>
+            </a:schemeClr>
+          </a:lnRef>
+          <a:fillRef idx="1">
+            <a:schemeClr val="accent1"/>
+          </a:fillRef>
+          <a:effectRef idx="0">
+            <a:schemeClr val="accent1"/>
+          </a:effectRef>
+          <a:fontRef idx="minor">
+            <a:schemeClr val="lt1"/>
+          </a:fontRef>
+        </p:style>
+        <p:txBody>
+          <a:bodyPr rtlCol="0" anchor="ctr"/>
+          <a:lstStyle/>
+          <a:p>
+            <a:pPr algn="ctr"/>
+            <a:endParaRPr lang="en-IN"/>
+          </a:p>
+        </p:txBody>
+      </p:sp>
+      <p:sp>
+        <p:nvSpPr>
+          <p:cNvPr id="11" name="Arrow: Right 10">
+            <a:extLst>
+              <a:ext uri="{FF2B5EF4-FFF2-40B4-BE49-F238E27FC236}">
+                <a16:creationId xmlns:a16="http://schemas.microsoft.com/office/drawing/2014/main" id="{2BD78E44-2C52-F854-058A-2E8F7D772458}"/>
+              </a:ext>
+            </a:extLst>
+          </p:cNvPr>
+          <p:cNvSpPr/>
+          <p:nvPr/>
+        </p:nvSpPr>
+        <p:spPr>
+          <a:xfrm rot="9555798">
+            <a:off x="5062671" y="4357627"/>
+            <a:ext cx="955209" cy="320992"/>
+          </a:xfrm>
+          <a:prstGeom prst="rightArrow">
+            <a:avLst/>
+          </a:prstGeom>
+        </p:spPr>
+        <p:style>
+          <a:lnRef idx="2">
+            <a:schemeClr val="accent1">
+              <a:shade val="15000"/>
+            </a:schemeClr>
+          </a:lnRef>
+          <a:fillRef idx="1">
+            <a:schemeClr val="accent1"/>
+          </a:fillRef>
+          <a:effectRef idx="0">
+            <a:schemeClr val="accent1"/>
+          </a:effectRef>
+          <a:fontRef idx="minor">
+            <a:schemeClr val="lt1"/>
+          </a:fontRef>
+        </p:style>
+        <p:txBody>
+          <a:bodyPr rtlCol="0" anchor="ctr"/>
+          <a:lstStyle/>
+          <a:p>
+            <a:pPr algn="ctr"/>
+            <a:endParaRPr lang="en-IN"/>
+          </a:p>
+        </p:txBody>
+      </p:sp>
+    </p:spTree>
+    <p:extLst>
+      <p:ext uri="{BB962C8B-B14F-4D97-AF65-F5344CB8AC3E}">
+        <p14:creationId xmlns:p14="http://schemas.microsoft.com/office/powerpoint/2010/main" val="4035935616"/>
+      </p:ext>
+    </p:extLst>
+  </p:cSld>
+  <p:clrMapOvr>
+    <a:masterClrMapping/>
+  </p:clrMapOvr>
+</p:sld>
+</file>
+
+<file path=ppt/slides/slide3.xml><?xml version="1.0" encoding="utf-8"?>
+<p:sld xmlns:a="http://schemas.openxmlformats.org/drawingml/2006/main" xmlns:r="http://schemas.openxmlformats.org/officeDocument/2006/relationships" xmlns:p="http://schemas.openxmlformats.org/presentationml/2006/main">
+  <p:cSld>
+    <p:spTree>
+      <p:nvGrpSpPr>
+        <p:cNvPr id="1" name=""/>
+        <p:cNvGrpSpPr/>
+        <p:nvPr/>
+      </p:nvGrpSpPr>
+      <p:grpSpPr>
+        <a:xfrm>
+          <a:off x="0" y="0"/>
+          <a:ext cx="0" cy="0"/>
+          <a:chOff x="0" y="0"/>
+          <a:chExt cx="0" cy="0"/>
+        </a:xfrm>
+      </p:grpSpPr>
+      <p:sp>
+        <p:nvSpPr>
+          <p:cNvPr id="2" name="Title 1">
+            <a:extLst>
+              <a:ext uri="{FF2B5EF4-FFF2-40B4-BE49-F238E27FC236}">
                 <a16:creationId xmlns:a16="http://schemas.microsoft.com/office/drawing/2014/main" id="{DE5ADD6E-0649-8BF7-787C-688AF3A48F90}"/>
               </a:ext>
             </a:extLst>
@@ -3545,7 +3791,7 @@
 </p:sld>
 </file>
 
-<file path=ppt/slides/slide3.xml><?xml version="1.0" encoding="utf-8"?>
+<file path=ppt/slides/slide4.xml><?xml version="1.0" encoding="utf-8"?>
 <p:sld xmlns:a="http://schemas.openxmlformats.org/drawingml/2006/main" xmlns:r="http://schemas.openxmlformats.org/officeDocument/2006/relationships" xmlns:p="http://schemas.openxmlformats.org/presentationml/2006/main">
   <p:cSld>
     <p:spTree>
@@ -3663,7 +3909,7 @@
 </p:sld>
 </file>
 
-<file path=ppt/slides/slide4.xml><?xml version="1.0" encoding="utf-8"?>
+<file path=ppt/slides/slide5.xml><?xml version="1.0" encoding="utf-8"?>
 <p:sld xmlns:a="http://schemas.openxmlformats.org/drawingml/2006/main" xmlns:r="http://schemas.openxmlformats.org/officeDocument/2006/relationships" xmlns:p="http://schemas.openxmlformats.org/presentationml/2006/main">
   <p:cSld>
     <p:spTree>
@@ -3798,7 +4044,7 @@
 </p:sld>
 </file>
 
-<file path=ppt/slides/slide5.xml><?xml version="1.0" encoding="utf-8"?>
+<file path=ppt/slides/slide6.xml><?xml version="1.0" encoding="utf-8"?>
 <p:sld xmlns:a="http://schemas.openxmlformats.org/drawingml/2006/main" xmlns:r="http://schemas.openxmlformats.org/officeDocument/2006/relationships" xmlns:p="http://schemas.openxmlformats.org/presentationml/2006/main">
   <p:cSld>
     <p:spTree>
@@ -3916,7 +4162,7 @@
 </p:sld>
 </file>
 
-<file path=ppt/slides/slide6.xml><?xml version="1.0" encoding="utf-8"?>
+<file path=ppt/slides/slide7.xml><?xml version="1.0" encoding="utf-8"?>
 <p:sld xmlns:a="http://schemas.openxmlformats.org/drawingml/2006/main" xmlns:r="http://schemas.openxmlformats.org/officeDocument/2006/relationships" xmlns:p="http://schemas.openxmlformats.org/presentationml/2006/main">
   <p:cSld>
     <p:spTree>
@@ -4069,7 +4315,7 @@
 </p:sld>
 </file>
 
-<file path=ppt/slides/slide7.xml><?xml version="1.0" encoding="utf-8"?>
+<file path=ppt/slides/slide8.xml><?xml version="1.0" encoding="utf-8"?>
 <p:sld xmlns:a="http://schemas.openxmlformats.org/drawingml/2006/main" xmlns:r="http://schemas.openxmlformats.org/officeDocument/2006/relationships" xmlns:p="http://schemas.openxmlformats.org/presentationml/2006/main">
   <p:cSld>
     <p:spTree>
@@ -4426,7 +4672,7 @@
 </p:sld>
 </file>
 
-<file path=ppt/slides/slide8.xml><?xml version="1.0" encoding="utf-8"?>
+<file path=ppt/slides/slide9.xml><?xml version="1.0" encoding="utf-8"?>
 <p:sld xmlns:a="http://schemas.openxmlformats.org/drawingml/2006/main" xmlns:r="http://schemas.openxmlformats.org/officeDocument/2006/relationships" xmlns:p="http://schemas.openxmlformats.org/presentationml/2006/main">
   <p:cSld>
     <p:spTree>
